--- a/ppt 16-9/1037.主说复活在祂.pptx
+++ b/ppt 16-9/1037.主说复活在祂.pptx
@@ -5,7 +5,7 @@
     <p:sldMasterId id="2147483648" r:id="rId1"/>
   </p:sldMasterIdLst>
   <p:sldIdLst>
-    <p:sldId id="468" r:id="rId2"/>
+    <p:sldId id="469" r:id="rId2"/>
   </p:sldIdLst>
   <p:sldSz cx="12192000" cy="6858000"/>
   <p:notesSz cx="6858000" cy="9144000"/>
@@ -129,7 +129,7 @@
           <p:cNvPr id="2" name="标题 1">
             <a:extLst>
               <a:ext uri="{FF2B5EF4-FFF2-40B4-BE49-F238E27FC236}">
-                <a16:creationId xmlns:a16="http://schemas.microsoft.com/office/drawing/2014/main" id="{0F3BE327-5D6E-701F-A8D5-C885E5A512E2}"/>
+                <a16:creationId xmlns:a16="http://schemas.microsoft.com/office/drawing/2014/main" id="{598D3A1F-BB60-1C3D-5A09-0874485BDA74}"/>
               </a:ext>
             </a:extLst>
           </p:cNvPr>
@@ -166,7 +166,7 @@
           <p:cNvPr id="3" name="副标题 2">
             <a:extLst>
               <a:ext uri="{FF2B5EF4-FFF2-40B4-BE49-F238E27FC236}">
-                <a16:creationId xmlns:a16="http://schemas.microsoft.com/office/drawing/2014/main" id="{06A8FF63-7A6A-21CE-C84D-230EEB87BE90}"/>
+                <a16:creationId xmlns:a16="http://schemas.microsoft.com/office/drawing/2014/main" id="{8D324EE1-CCF8-1864-C305-501378C95295}"/>
               </a:ext>
             </a:extLst>
           </p:cNvPr>
@@ -236,7 +236,7 @@
           <p:cNvPr id="4" name="日期占位符 3">
             <a:extLst>
               <a:ext uri="{FF2B5EF4-FFF2-40B4-BE49-F238E27FC236}">
-                <a16:creationId xmlns:a16="http://schemas.microsoft.com/office/drawing/2014/main" id="{D2E75EE9-66F1-6914-5488-A4AEEEE3FAB1}"/>
+                <a16:creationId xmlns:a16="http://schemas.microsoft.com/office/drawing/2014/main" id="{AB40DA4D-6F1D-1E4D-C393-F201C5090FA6}"/>
               </a:ext>
             </a:extLst>
           </p:cNvPr>
@@ -252,7 +252,7 @@
           <a:bodyPr/>
           <a:lstStyle/>
           <a:p>
-            <a:fld id="{B293CD9C-86D6-4041-8457-64D69C8268C2}" type="datetimeFigureOut">
+            <a:fld id="{D1EC916B-160B-401B-8E0C-4F86A833FAC8}" type="datetimeFigureOut">
               <a:rPr lang="zh-CN" altLang="en-US" smtClean="0"/>
               <a:t>2024/3/10</a:t>
             </a:fld>
@@ -265,7 +265,7 @@
           <p:cNvPr id="5" name="页脚占位符 4">
             <a:extLst>
               <a:ext uri="{FF2B5EF4-FFF2-40B4-BE49-F238E27FC236}">
-                <a16:creationId xmlns:a16="http://schemas.microsoft.com/office/drawing/2014/main" id="{96A6E422-C25C-4608-A3E3-2CE433A7B9AA}"/>
+                <a16:creationId xmlns:a16="http://schemas.microsoft.com/office/drawing/2014/main" id="{3E65FD8E-BC46-F75C-62A0-986AC06E9CD2}"/>
               </a:ext>
             </a:extLst>
           </p:cNvPr>
@@ -290,7 +290,7 @@
           <p:cNvPr id="6" name="灯片编号占位符 5">
             <a:extLst>
               <a:ext uri="{FF2B5EF4-FFF2-40B4-BE49-F238E27FC236}">
-                <a16:creationId xmlns:a16="http://schemas.microsoft.com/office/drawing/2014/main" id="{9FC21C07-4955-C839-4720-C0E9EDF49FDC}"/>
+                <a16:creationId xmlns:a16="http://schemas.microsoft.com/office/drawing/2014/main" id="{BDF42133-C357-37C4-AF62-AD8F197C5426}"/>
               </a:ext>
             </a:extLst>
           </p:cNvPr>
@@ -306,7 +306,7 @@
           <a:bodyPr/>
           <a:lstStyle/>
           <a:p>
-            <a:fld id="{25CE5E9D-E248-4A82-A0E0-5E4ECD89B6A0}" type="slidenum">
+            <a:fld id="{26AEA72B-3712-4D83-8C78-1F5F0461915C}" type="slidenum">
               <a:rPr lang="zh-CN" altLang="en-US" smtClean="0"/>
               <a:t>‹#›</a:t>
             </a:fld>
@@ -317,7 +317,7 @@
     </p:spTree>
     <p:extLst>
       <p:ext uri="{BB962C8B-B14F-4D97-AF65-F5344CB8AC3E}">
-        <p14:creationId xmlns:p14="http://schemas.microsoft.com/office/powerpoint/2010/main" val="2987458674"/>
+        <p14:creationId xmlns:p14="http://schemas.microsoft.com/office/powerpoint/2010/main" val="504774075"/>
       </p:ext>
     </p:extLst>
   </p:cSld>
@@ -349,7 +349,7 @@
           <p:cNvPr id="2" name="标题 1">
             <a:extLst>
               <a:ext uri="{FF2B5EF4-FFF2-40B4-BE49-F238E27FC236}">
-                <a16:creationId xmlns:a16="http://schemas.microsoft.com/office/drawing/2014/main" id="{6E0241A4-8C13-0191-698D-B3DB1EF44365}"/>
+                <a16:creationId xmlns:a16="http://schemas.microsoft.com/office/drawing/2014/main" id="{CD82D7DC-0E61-5359-6E2C-0734B8F77AC5}"/>
               </a:ext>
             </a:extLst>
           </p:cNvPr>
@@ -377,7 +377,7 @@
           <p:cNvPr id="3" name="竖排文字占位符 2">
             <a:extLst>
               <a:ext uri="{FF2B5EF4-FFF2-40B4-BE49-F238E27FC236}">
-                <a16:creationId xmlns:a16="http://schemas.microsoft.com/office/drawing/2014/main" id="{29D06D23-5776-E2B4-8D09-40AAAF5E9822}"/>
+                <a16:creationId xmlns:a16="http://schemas.microsoft.com/office/drawing/2014/main" id="{60D33CEC-265C-6AEF-60B9-BDA7094C771E}"/>
               </a:ext>
             </a:extLst>
           </p:cNvPr>
@@ -434,7 +434,7 @@
           <p:cNvPr id="4" name="日期占位符 3">
             <a:extLst>
               <a:ext uri="{FF2B5EF4-FFF2-40B4-BE49-F238E27FC236}">
-                <a16:creationId xmlns:a16="http://schemas.microsoft.com/office/drawing/2014/main" id="{00C87FBD-EA33-AC69-95E3-4480CAE22B4B}"/>
+                <a16:creationId xmlns:a16="http://schemas.microsoft.com/office/drawing/2014/main" id="{CBEBC6D3-8979-FC53-5EBE-99537367803E}"/>
               </a:ext>
             </a:extLst>
           </p:cNvPr>
@@ -450,7 +450,7 @@
           <a:bodyPr/>
           <a:lstStyle/>
           <a:p>
-            <a:fld id="{B293CD9C-86D6-4041-8457-64D69C8268C2}" type="datetimeFigureOut">
+            <a:fld id="{D1EC916B-160B-401B-8E0C-4F86A833FAC8}" type="datetimeFigureOut">
               <a:rPr lang="zh-CN" altLang="en-US" smtClean="0"/>
               <a:t>2024/3/10</a:t>
             </a:fld>
@@ -463,7 +463,7 @@
           <p:cNvPr id="5" name="页脚占位符 4">
             <a:extLst>
               <a:ext uri="{FF2B5EF4-FFF2-40B4-BE49-F238E27FC236}">
-                <a16:creationId xmlns:a16="http://schemas.microsoft.com/office/drawing/2014/main" id="{8ACD9E73-B927-A4EF-EF9D-1B24A00C6E3A}"/>
+                <a16:creationId xmlns:a16="http://schemas.microsoft.com/office/drawing/2014/main" id="{BF707DC3-9827-8DF5-780A-006911278067}"/>
               </a:ext>
             </a:extLst>
           </p:cNvPr>
@@ -488,7 +488,7 @@
           <p:cNvPr id="6" name="灯片编号占位符 5">
             <a:extLst>
               <a:ext uri="{FF2B5EF4-FFF2-40B4-BE49-F238E27FC236}">
-                <a16:creationId xmlns:a16="http://schemas.microsoft.com/office/drawing/2014/main" id="{15E871EF-DFA0-E336-F43B-F22C5B961661}"/>
+                <a16:creationId xmlns:a16="http://schemas.microsoft.com/office/drawing/2014/main" id="{E0412CA3-EF0D-35CC-FAB1-76A543BCC9FD}"/>
               </a:ext>
             </a:extLst>
           </p:cNvPr>
@@ -504,7 +504,7 @@
           <a:bodyPr/>
           <a:lstStyle/>
           <a:p>
-            <a:fld id="{25CE5E9D-E248-4A82-A0E0-5E4ECD89B6A0}" type="slidenum">
+            <a:fld id="{26AEA72B-3712-4D83-8C78-1F5F0461915C}" type="slidenum">
               <a:rPr lang="zh-CN" altLang="en-US" smtClean="0"/>
               <a:t>‹#›</a:t>
             </a:fld>
@@ -515,7 +515,7 @@
     </p:spTree>
     <p:extLst>
       <p:ext uri="{BB962C8B-B14F-4D97-AF65-F5344CB8AC3E}">
-        <p14:creationId xmlns:p14="http://schemas.microsoft.com/office/powerpoint/2010/main" val="19206261"/>
+        <p14:creationId xmlns:p14="http://schemas.microsoft.com/office/powerpoint/2010/main" val="3454241059"/>
       </p:ext>
     </p:extLst>
   </p:cSld>
@@ -547,7 +547,7 @@
           <p:cNvPr id="2" name="竖排标题 1">
             <a:extLst>
               <a:ext uri="{FF2B5EF4-FFF2-40B4-BE49-F238E27FC236}">
-                <a16:creationId xmlns:a16="http://schemas.microsoft.com/office/drawing/2014/main" id="{5DF79723-B28A-57AD-11A3-698077BB0190}"/>
+                <a16:creationId xmlns:a16="http://schemas.microsoft.com/office/drawing/2014/main" id="{7388A9F7-3DC6-5D2B-F39D-FADCB55B9BD1}"/>
               </a:ext>
             </a:extLst>
           </p:cNvPr>
@@ -580,7 +580,7 @@
           <p:cNvPr id="3" name="竖排文字占位符 2">
             <a:extLst>
               <a:ext uri="{FF2B5EF4-FFF2-40B4-BE49-F238E27FC236}">
-                <a16:creationId xmlns:a16="http://schemas.microsoft.com/office/drawing/2014/main" id="{C14D88FB-F890-2AEB-9A92-9E505A2D9FEC}"/>
+                <a16:creationId xmlns:a16="http://schemas.microsoft.com/office/drawing/2014/main" id="{B9BEF199-3672-41FD-A437-A198E815451B}"/>
               </a:ext>
             </a:extLst>
           </p:cNvPr>
@@ -642,7 +642,7 @@
           <p:cNvPr id="4" name="日期占位符 3">
             <a:extLst>
               <a:ext uri="{FF2B5EF4-FFF2-40B4-BE49-F238E27FC236}">
-                <a16:creationId xmlns:a16="http://schemas.microsoft.com/office/drawing/2014/main" id="{C18D1F5D-55DD-B912-2AAD-11D5B6924875}"/>
+                <a16:creationId xmlns:a16="http://schemas.microsoft.com/office/drawing/2014/main" id="{9E7307A7-0535-1F7A-B10D-1478492F8CA0}"/>
               </a:ext>
             </a:extLst>
           </p:cNvPr>
@@ -658,7 +658,7 @@
           <a:bodyPr/>
           <a:lstStyle/>
           <a:p>
-            <a:fld id="{B293CD9C-86D6-4041-8457-64D69C8268C2}" type="datetimeFigureOut">
+            <a:fld id="{D1EC916B-160B-401B-8E0C-4F86A833FAC8}" type="datetimeFigureOut">
               <a:rPr lang="zh-CN" altLang="en-US" smtClean="0"/>
               <a:t>2024/3/10</a:t>
             </a:fld>
@@ -671,7 +671,7 @@
           <p:cNvPr id="5" name="页脚占位符 4">
             <a:extLst>
               <a:ext uri="{FF2B5EF4-FFF2-40B4-BE49-F238E27FC236}">
-                <a16:creationId xmlns:a16="http://schemas.microsoft.com/office/drawing/2014/main" id="{6B0F6734-935B-9EA7-1B98-A9F5FA77F8DD}"/>
+                <a16:creationId xmlns:a16="http://schemas.microsoft.com/office/drawing/2014/main" id="{0C4BB5AA-7A99-B8B4-D83C-580631023489}"/>
               </a:ext>
             </a:extLst>
           </p:cNvPr>
@@ -696,7 +696,7 @@
           <p:cNvPr id="6" name="灯片编号占位符 5">
             <a:extLst>
               <a:ext uri="{FF2B5EF4-FFF2-40B4-BE49-F238E27FC236}">
-                <a16:creationId xmlns:a16="http://schemas.microsoft.com/office/drawing/2014/main" id="{24F5B397-ED97-B500-6C6C-AC2F14780507}"/>
+                <a16:creationId xmlns:a16="http://schemas.microsoft.com/office/drawing/2014/main" id="{F51499ED-3B3D-08B9-C8E8-21BE46DE3BD6}"/>
               </a:ext>
             </a:extLst>
           </p:cNvPr>
@@ -712,7 +712,7 @@
           <a:bodyPr/>
           <a:lstStyle/>
           <a:p>
-            <a:fld id="{25CE5E9D-E248-4A82-A0E0-5E4ECD89B6A0}" type="slidenum">
+            <a:fld id="{26AEA72B-3712-4D83-8C78-1F5F0461915C}" type="slidenum">
               <a:rPr lang="zh-CN" altLang="en-US" smtClean="0"/>
               <a:t>‹#›</a:t>
             </a:fld>
@@ -723,7 +723,7 @@
     </p:spTree>
     <p:extLst>
       <p:ext uri="{BB962C8B-B14F-4D97-AF65-F5344CB8AC3E}">
-        <p14:creationId xmlns:p14="http://schemas.microsoft.com/office/powerpoint/2010/main" val="1060469414"/>
+        <p14:creationId xmlns:p14="http://schemas.microsoft.com/office/powerpoint/2010/main" val="1753336303"/>
       </p:ext>
     </p:extLst>
   </p:cSld>
@@ -755,7 +755,7 @@
           <p:cNvPr id="2" name="标题 1">
             <a:extLst>
               <a:ext uri="{FF2B5EF4-FFF2-40B4-BE49-F238E27FC236}">
-                <a16:creationId xmlns:a16="http://schemas.microsoft.com/office/drawing/2014/main" id="{4ADABC76-7783-BD06-A3C0-CA569F22DB0A}"/>
+                <a16:creationId xmlns:a16="http://schemas.microsoft.com/office/drawing/2014/main" id="{D0D966A9-C303-40E1-4E96-73A29FFB40DE}"/>
               </a:ext>
             </a:extLst>
           </p:cNvPr>
@@ -783,7 +783,7 @@
           <p:cNvPr id="3" name="内容占位符 2">
             <a:extLst>
               <a:ext uri="{FF2B5EF4-FFF2-40B4-BE49-F238E27FC236}">
-                <a16:creationId xmlns:a16="http://schemas.microsoft.com/office/drawing/2014/main" id="{637004E2-DD05-523D-5449-213E9D138FE9}"/>
+                <a16:creationId xmlns:a16="http://schemas.microsoft.com/office/drawing/2014/main" id="{FE934E34-3ECA-6273-5729-16498125D2DF}"/>
               </a:ext>
             </a:extLst>
           </p:cNvPr>
@@ -840,7 +840,7 @@
           <p:cNvPr id="4" name="日期占位符 3">
             <a:extLst>
               <a:ext uri="{FF2B5EF4-FFF2-40B4-BE49-F238E27FC236}">
-                <a16:creationId xmlns:a16="http://schemas.microsoft.com/office/drawing/2014/main" id="{63E827FF-AC8A-8E0B-F70D-66D9A8634137}"/>
+                <a16:creationId xmlns:a16="http://schemas.microsoft.com/office/drawing/2014/main" id="{D6BA46D5-C41C-F6B5-17D1-BBF6963B2BAD}"/>
               </a:ext>
             </a:extLst>
           </p:cNvPr>
@@ -856,7 +856,7 @@
           <a:bodyPr/>
           <a:lstStyle/>
           <a:p>
-            <a:fld id="{B293CD9C-86D6-4041-8457-64D69C8268C2}" type="datetimeFigureOut">
+            <a:fld id="{D1EC916B-160B-401B-8E0C-4F86A833FAC8}" type="datetimeFigureOut">
               <a:rPr lang="zh-CN" altLang="en-US" smtClean="0"/>
               <a:t>2024/3/10</a:t>
             </a:fld>
@@ -869,7 +869,7 @@
           <p:cNvPr id="5" name="页脚占位符 4">
             <a:extLst>
               <a:ext uri="{FF2B5EF4-FFF2-40B4-BE49-F238E27FC236}">
-                <a16:creationId xmlns:a16="http://schemas.microsoft.com/office/drawing/2014/main" id="{E80896A0-EA41-81A2-CB39-FDAB59AFA876}"/>
+                <a16:creationId xmlns:a16="http://schemas.microsoft.com/office/drawing/2014/main" id="{6979790C-C005-0FEE-5C09-18BA21B55048}"/>
               </a:ext>
             </a:extLst>
           </p:cNvPr>
@@ -894,7 +894,7 @@
           <p:cNvPr id="6" name="灯片编号占位符 5">
             <a:extLst>
               <a:ext uri="{FF2B5EF4-FFF2-40B4-BE49-F238E27FC236}">
-                <a16:creationId xmlns:a16="http://schemas.microsoft.com/office/drawing/2014/main" id="{32186D18-4335-DBF7-6223-09615193B77E}"/>
+                <a16:creationId xmlns:a16="http://schemas.microsoft.com/office/drawing/2014/main" id="{5027DEFB-6484-CC6C-53B5-D9AA58E49C62}"/>
               </a:ext>
             </a:extLst>
           </p:cNvPr>
@@ -910,7 +910,7 @@
           <a:bodyPr/>
           <a:lstStyle/>
           <a:p>
-            <a:fld id="{25CE5E9D-E248-4A82-A0E0-5E4ECD89B6A0}" type="slidenum">
+            <a:fld id="{26AEA72B-3712-4D83-8C78-1F5F0461915C}" type="slidenum">
               <a:rPr lang="zh-CN" altLang="en-US" smtClean="0"/>
               <a:t>‹#›</a:t>
             </a:fld>
@@ -921,7 +921,7 @@
     </p:spTree>
     <p:extLst>
       <p:ext uri="{BB962C8B-B14F-4D97-AF65-F5344CB8AC3E}">
-        <p14:creationId xmlns:p14="http://schemas.microsoft.com/office/powerpoint/2010/main" val="4201971846"/>
+        <p14:creationId xmlns:p14="http://schemas.microsoft.com/office/powerpoint/2010/main" val="2962990755"/>
       </p:ext>
     </p:extLst>
   </p:cSld>
@@ -953,7 +953,7 @@
           <p:cNvPr id="2" name="标题 1">
             <a:extLst>
               <a:ext uri="{FF2B5EF4-FFF2-40B4-BE49-F238E27FC236}">
-                <a16:creationId xmlns:a16="http://schemas.microsoft.com/office/drawing/2014/main" id="{C08B4CC1-DAD9-8EB7-4497-E457E29E4667}"/>
+                <a16:creationId xmlns:a16="http://schemas.microsoft.com/office/drawing/2014/main" id="{3F924371-D379-0F8E-5171-FE8E80E1D61F}"/>
               </a:ext>
             </a:extLst>
           </p:cNvPr>
@@ -990,7 +990,7 @@
           <p:cNvPr id="3" name="文本占位符 2">
             <a:extLst>
               <a:ext uri="{FF2B5EF4-FFF2-40B4-BE49-F238E27FC236}">
-                <a16:creationId xmlns:a16="http://schemas.microsoft.com/office/drawing/2014/main" id="{0888F861-8259-1A21-1107-D51817937143}"/>
+                <a16:creationId xmlns:a16="http://schemas.microsoft.com/office/drawing/2014/main" id="{E792ECD1-B9EC-9E06-8356-8E882B213F41}"/>
               </a:ext>
             </a:extLst>
           </p:cNvPr>
@@ -1115,7 +1115,7 @@
           <p:cNvPr id="4" name="日期占位符 3">
             <a:extLst>
               <a:ext uri="{FF2B5EF4-FFF2-40B4-BE49-F238E27FC236}">
-                <a16:creationId xmlns:a16="http://schemas.microsoft.com/office/drawing/2014/main" id="{80651C3E-2076-C629-3F31-5F52BB659CD2}"/>
+                <a16:creationId xmlns:a16="http://schemas.microsoft.com/office/drawing/2014/main" id="{BADBE9DB-DF6E-2DE4-1722-0C60A80293D4}"/>
               </a:ext>
             </a:extLst>
           </p:cNvPr>
@@ -1131,7 +1131,7 @@
           <a:bodyPr/>
           <a:lstStyle/>
           <a:p>
-            <a:fld id="{B293CD9C-86D6-4041-8457-64D69C8268C2}" type="datetimeFigureOut">
+            <a:fld id="{D1EC916B-160B-401B-8E0C-4F86A833FAC8}" type="datetimeFigureOut">
               <a:rPr lang="zh-CN" altLang="en-US" smtClean="0"/>
               <a:t>2024/3/10</a:t>
             </a:fld>
@@ -1144,7 +1144,7 @@
           <p:cNvPr id="5" name="页脚占位符 4">
             <a:extLst>
               <a:ext uri="{FF2B5EF4-FFF2-40B4-BE49-F238E27FC236}">
-                <a16:creationId xmlns:a16="http://schemas.microsoft.com/office/drawing/2014/main" id="{A85150D4-9E1F-4EAF-98BB-AA917B323DEB}"/>
+                <a16:creationId xmlns:a16="http://schemas.microsoft.com/office/drawing/2014/main" id="{6D2B4F31-6100-EF3D-1AE2-A5B195215DA6}"/>
               </a:ext>
             </a:extLst>
           </p:cNvPr>
@@ -1169,7 +1169,7 @@
           <p:cNvPr id="6" name="灯片编号占位符 5">
             <a:extLst>
               <a:ext uri="{FF2B5EF4-FFF2-40B4-BE49-F238E27FC236}">
-                <a16:creationId xmlns:a16="http://schemas.microsoft.com/office/drawing/2014/main" id="{5C72804A-16EC-2B5C-1731-E68ED5D80AFD}"/>
+                <a16:creationId xmlns:a16="http://schemas.microsoft.com/office/drawing/2014/main" id="{FF8DABAB-D2C1-0B80-B137-9CEB700B4DC5}"/>
               </a:ext>
             </a:extLst>
           </p:cNvPr>
@@ -1185,7 +1185,7 @@
           <a:bodyPr/>
           <a:lstStyle/>
           <a:p>
-            <a:fld id="{25CE5E9D-E248-4A82-A0E0-5E4ECD89B6A0}" type="slidenum">
+            <a:fld id="{26AEA72B-3712-4D83-8C78-1F5F0461915C}" type="slidenum">
               <a:rPr lang="zh-CN" altLang="en-US" smtClean="0"/>
               <a:t>‹#›</a:t>
             </a:fld>
@@ -1196,7 +1196,7 @@
     </p:spTree>
     <p:extLst>
       <p:ext uri="{BB962C8B-B14F-4D97-AF65-F5344CB8AC3E}">
-        <p14:creationId xmlns:p14="http://schemas.microsoft.com/office/powerpoint/2010/main" val="3556517718"/>
+        <p14:creationId xmlns:p14="http://schemas.microsoft.com/office/powerpoint/2010/main" val="1337007430"/>
       </p:ext>
     </p:extLst>
   </p:cSld>
@@ -1228,7 +1228,7 @@
           <p:cNvPr id="2" name="标题 1">
             <a:extLst>
               <a:ext uri="{FF2B5EF4-FFF2-40B4-BE49-F238E27FC236}">
-                <a16:creationId xmlns:a16="http://schemas.microsoft.com/office/drawing/2014/main" id="{274B0A8F-C003-0EF2-762B-A2B475B641C6}"/>
+                <a16:creationId xmlns:a16="http://schemas.microsoft.com/office/drawing/2014/main" id="{D0092E5F-6818-98B9-E3CA-197133E95496}"/>
               </a:ext>
             </a:extLst>
           </p:cNvPr>
@@ -1256,7 +1256,7 @@
           <p:cNvPr id="3" name="内容占位符 2">
             <a:extLst>
               <a:ext uri="{FF2B5EF4-FFF2-40B4-BE49-F238E27FC236}">
-                <a16:creationId xmlns:a16="http://schemas.microsoft.com/office/drawing/2014/main" id="{8B1ECB50-65D2-5F3B-72CC-1FBEF10377AA}"/>
+                <a16:creationId xmlns:a16="http://schemas.microsoft.com/office/drawing/2014/main" id="{DAE244F1-0742-12F2-8F31-455F454B19F6}"/>
               </a:ext>
             </a:extLst>
           </p:cNvPr>
@@ -1318,7 +1318,7 @@
           <p:cNvPr id="4" name="内容占位符 3">
             <a:extLst>
               <a:ext uri="{FF2B5EF4-FFF2-40B4-BE49-F238E27FC236}">
-                <a16:creationId xmlns:a16="http://schemas.microsoft.com/office/drawing/2014/main" id="{40011678-D254-7AD4-ECBD-746A3866F399}"/>
+                <a16:creationId xmlns:a16="http://schemas.microsoft.com/office/drawing/2014/main" id="{BA225BEC-1980-BC5F-8037-AD72AE124767}"/>
               </a:ext>
             </a:extLst>
           </p:cNvPr>
@@ -1380,7 +1380,7 @@
           <p:cNvPr id="5" name="日期占位符 4">
             <a:extLst>
               <a:ext uri="{FF2B5EF4-FFF2-40B4-BE49-F238E27FC236}">
-                <a16:creationId xmlns:a16="http://schemas.microsoft.com/office/drawing/2014/main" id="{7DA29FF4-B782-D245-595D-E756D5EB55AF}"/>
+                <a16:creationId xmlns:a16="http://schemas.microsoft.com/office/drawing/2014/main" id="{BD4602E8-B399-A5D9-7C85-35C5E9F47A0F}"/>
               </a:ext>
             </a:extLst>
           </p:cNvPr>
@@ -1396,7 +1396,7 @@
           <a:bodyPr/>
           <a:lstStyle/>
           <a:p>
-            <a:fld id="{B293CD9C-86D6-4041-8457-64D69C8268C2}" type="datetimeFigureOut">
+            <a:fld id="{D1EC916B-160B-401B-8E0C-4F86A833FAC8}" type="datetimeFigureOut">
               <a:rPr lang="zh-CN" altLang="en-US" smtClean="0"/>
               <a:t>2024/3/10</a:t>
             </a:fld>
@@ -1409,7 +1409,7 @@
           <p:cNvPr id="6" name="页脚占位符 5">
             <a:extLst>
               <a:ext uri="{FF2B5EF4-FFF2-40B4-BE49-F238E27FC236}">
-                <a16:creationId xmlns:a16="http://schemas.microsoft.com/office/drawing/2014/main" id="{486E6A7C-0C1C-164C-6793-3D3731B9911C}"/>
+                <a16:creationId xmlns:a16="http://schemas.microsoft.com/office/drawing/2014/main" id="{E9D0307A-AA77-81A0-177C-249AD6301A93}"/>
               </a:ext>
             </a:extLst>
           </p:cNvPr>
@@ -1434,7 +1434,7 @@
           <p:cNvPr id="7" name="灯片编号占位符 6">
             <a:extLst>
               <a:ext uri="{FF2B5EF4-FFF2-40B4-BE49-F238E27FC236}">
-                <a16:creationId xmlns:a16="http://schemas.microsoft.com/office/drawing/2014/main" id="{2E48AFBE-8D4C-B355-D4E7-5CE504E89057}"/>
+                <a16:creationId xmlns:a16="http://schemas.microsoft.com/office/drawing/2014/main" id="{80AA0E63-D596-E559-CD51-6C90E513876D}"/>
               </a:ext>
             </a:extLst>
           </p:cNvPr>
@@ -1450,7 +1450,7 @@
           <a:bodyPr/>
           <a:lstStyle/>
           <a:p>
-            <a:fld id="{25CE5E9D-E248-4A82-A0E0-5E4ECD89B6A0}" type="slidenum">
+            <a:fld id="{26AEA72B-3712-4D83-8C78-1F5F0461915C}" type="slidenum">
               <a:rPr lang="zh-CN" altLang="en-US" smtClean="0"/>
               <a:t>‹#›</a:t>
             </a:fld>
@@ -1461,7 +1461,7 @@
     </p:spTree>
     <p:extLst>
       <p:ext uri="{BB962C8B-B14F-4D97-AF65-F5344CB8AC3E}">
-        <p14:creationId xmlns:p14="http://schemas.microsoft.com/office/powerpoint/2010/main" val="3510695675"/>
+        <p14:creationId xmlns:p14="http://schemas.microsoft.com/office/powerpoint/2010/main" val="578277808"/>
       </p:ext>
     </p:extLst>
   </p:cSld>
@@ -1493,7 +1493,7 @@
           <p:cNvPr id="2" name="标题 1">
             <a:extLst>
               <a:ext uri="{FF2B5EF4-FFF2-40B4-BE49-F238E27FC236}">
-                <a16:creationId xmlns:a16="http://schemas.microsoft.com/office/drawing/2014/main" id="{7E23A79F-B74C-83EA-ED9F-984ACFFF44D8}"/>
+                <a16:creationId xmlns:a16="http://schemas.microsoft.com/office/drawing/2014/main" id="{1CD517E3-DE52-40FC-0FE3-DD49729B48DA}"/>
               </a:ext>
             </a:extLst>
           </p:cNvPr>
@@ -1526,7 +1526,7 @@
           <p:cNvPr id="3" name="文本占位符 2">
             <a:extLst>
               <a:ext uri="{FF2B5EF4-FFF2-40B4-BE49-F238E27FC236}">
-                <a16:creationId xmlns:a16="http://schemas.microsoft.com/office/drawing/2014/main" id="{D8425939-132B-4BC3-2162-28E810CDDDF9}"/>
+                <a16:creationId xmlns:a16="http://schemas.microsoft.com/office/drawing/2014/main" id="{2AC5DFAE-08BD-E971-E3BB-7F252B8575D1}"/>
               </a:ext>
             </a:extLst>
           </p:cNvPr>
@@ -1597,7 +1597,7 @@
           <p:cNvPr id="4" name="内容占位符 3">
             <a:extLst>
               <a:ext uri="{FF2B5EF4-FFF2-40B4-BE49-F238E27FC236}">
-                <a16:creationId xmlns:a16="http://schemas.microsoft.com/office/drawing/2014/main" id="{F492B3DC-5E6F-618D-0DBA-D9E18E679A3F}"/>
+                <a16:creationId xmlns:a16="http://schemas.microsoft.com/office/drawing/2014/main" id="{BDEFF36E-FC5A-4273-0C30-25A17970B3A1}"/>
               </a:ext>
             </a:extLst>
           </p:cNvPr>
@@ -1659,7 +1659,7 @@
           <p:cNvPr id="5" name="文本占位符 4">
             <a:extLst>
               <a:ext uri="{FF2B5EF4-FFF2-40B4-BE49-F238E27FC236}">
-                <a16:creationId xmlns:a16="http://schemas.microsoft.com/office/drawing/2014/main" id="{75E6C07B-9CDE-3ABF-C563-EFC90E83361E}"/>
+                <a16:creationId xmlns:a16="http://schemas.microsoft.com/office/drawing/2014/main" id="{2EC197FE-140D-2719-C350-B8FE2F539DFC}"/>
               </a:ext>
             </a:extLst>
           </p:cNvPr>
@@ -1730,7 +1730,7 @@
           <p:cNvPr id="6" name="内容占位符 5">
             <a:extLst>
               <a:ext uri="{FF2B5EF4-FFF2-40B4-BE49-F238E27FC236}">
-                <a16:creationId xmlns:a16="http://schemas.microsoft.com/office/drawing/2014/main" id="{9CBE22BD-5428-0682-FA71-5D627232D56E}"/>
+                <a16:creationId xmlns:a16="http://schemas.microsoft.com/office/drawing/2014/main" id="{D518295D-0FFD-B5CF-DA12-A71B31AD87A2}"/>
               </a:ext>
             </a:extLst>
           </p:cNvPr>
@@ -1792,7 +1792,7 @@
           <p:cNvPr id="7" name="日期占位符 6">
             <a:extLst>
               <a:ext uri="{FF2B5EF4-FFF2-40B4-BE49-F238E27FC236}">
-                <a16:creationId xmlns:a16="http://schemas.microsoft.com/office/drawing/2014/main" id="{596A64D3-8688-57BF-D291-9A75264F0127}"/>
+                <a16:creationId xmlns:a16="http://schemas.microsoft.com/office/drawing/2014/main" id="{EA72000C-2B53-40FE-A3D3-3000F98E6CAD}"/>
               </a:ext>
             </a:extLst>
           </p:cNvPr>
@@ -1808,7 +1808,7 @@
           <a:bodyPr/>
           <a:lstStyle/>
           <a:p>
-            <a:fld id="{B293CD9C-86D6-4041-8457-64D69C8268C2}" type="datetimeFigureOut">
+            <a:fld id="{D1EC916B-160B-401B-8E0C-4F86A833FAC8}" type="datetimeFigureOut">
               <a:rPr lang="zh-CN" altLang="en-US" smtClean="0"/>
               <a:t>2024/3/10</a:t>
             </a:fld>
@@ -1821,7 +1821,7 @@
           <p:cNvPr id="8" name="页脚占位符 7">
             <a:extLst>
               <a:ext uri="{FF2B5EF4-FFF2-40B4-BE49-F238E27FC236}">
-                <a16:creationId xmlns:a16="http://schemas.microsoft.com/office/drawing/2014/main" id="{EC5E72DF-8E2D-3D28-A0CB-E20491F1519C}"/>
+                <a16:creationId xmlns:a16="http://schemas.microsoft.com/office/drawing/2014/main" id="{EB9C0E0E-B72D-FBAE-0977-50B54652EFF2}"/>
               </a:ext>
             </a:extLst>
           </p:cNvPr>
@@ -1846,7 +1846,7 @@
           <p:cNvPr id="9" name="灯片编号占位符 8">
             <a:extLst>
               <a:ext uri="{FF2B5EF4-FFF2-40B4-BE49-F238E27FC236}">
-                <a16:creationId xmlns:a16="http://schemas.microsoft.com/office/drawing/2014/main" id="{249B4458-F4EC-F729-C4EB-7F3A40BA2A39}"/>
+                <a16:creationId xmlns:a16="http://schemas.microsoft.com/office/drawing/2014/main" id="{ACA580DC-3D0F-1D03-FCA3-0543AF4F5D38}"/>
               </a:ext>
             </a:extLst>
           </p:cNvPr>
@@ -1862,7 +1862,7 @@
           <a:bodyPr/>
           <a:lstStyle/>
           <a:p>
-            <a:fld id="{25CE5E9D-E248-4A82-A0E0-5E4ECD89B6A0}" type="slidenum">
+            <a:fld id="{26AEA72B-3712-4D83-8C78-1F5F0461915C}" type="slidenum">
               <a:rPr lang="zh-CN" altLang="en-US" smtClean="0"/>
               <a:t>‹#›</a:t>
             </a:fld>
@@ -1873,7 +1873,7 @@
     </p:spTree>
     <p:extLst>
       <p:ext uri="{BB962C8B-B14F-4D97-AF65-F5344CB8AC3E}">
-        <p14:creationId xmlns:p14="http://schemas.microsoft.com/office/powerpoint/2010/main" val="2028832539"/>
+        <p14:creationId xmlns:p14="http://schemas.microsoft.com/office/powerpoint/2010/main" val="1774404710"/>
       </p:ext>
     </p:extLst>
   </p:cSld>
@@ -1905,7 +1905,7 @@
           <p:cNvPr id="2" name="标题 1">
             <a:extLst>
               <a:ext uri="{FF2B5EF4-FFF2-40B4-BE49-F238E27FC236}">
-                <a16:creationId xmlns:a16="http://schemas.microsoft.com/office/drawing/2014/main" id="{32ACA331-E7A0-8B45-2E04-D6CDE0CD2C28}"/>
+                <a16:creationId xmlns:a16="http://schemas.microsoft.com/office/drawing/2014/main" id="{301558A8-5D5A-108E-A32D-046035700215}"/>
               </a:ext>
             </a:extLst>
           </p:cNvPr>
@@ -1933,7 +1933,7 @@
           <p:cNvPr id="3" name="日期占位符 2">
             <a:extLst>
               <a:ext uri="{FF2B5EF4-FFF2-40B4-BE49-F238E27FC236}">
-                <a16:creationId xmlns:a16="http://schemas.microsoft.com/office/drawing/2014/main" id="{A3BCF628-57C1-214D-5B3A-4C5C1BB49AD8}"/>
+                <a16:creationId xmlns:a16="http://schemas.microsoft.com/office/drawing/2014/main" id="{ED8927AD-9508-5079-5335-44B4E8BD09A7}"/>
               </a:ext>
             </a:extLst>
           </p:cNvPr>
@@ -1949,7 +1949,7 @@
           <a:bodyPr/>
           <a:lstStyle/>
           <a:p>
-            <a:fld id="{B293CD9C-86D6-4041-8457-64D69C8268C2}" type="datetimeFigureOut">
+            <a:fld id="{D1EC916B-160B-401B-8E0C-4F86A833FAC8}" type="datetimeFigureOut">
               <a:rPr lang="zh-CN" altLang="en-US" smtClean="0"/>
               <a:t>2024/3/10</a:t>
             </a:fld>
@@ -1962,7 +1962,7 @@
           <p:cNvPr id="4" name="页脚占位符 3">
             <a:extLst>
               <a:ext uri="{FF2B5EF4-FFF2-40B4-BE49-F238E27FC236}">
-                <a16:creationId xmlns:a16="http://schemas.microsoft.com/office/drawing/2014/main" id="{CBFF2635-FA17-722E-6237-B6F9ECC72CF7}"/>
+                <a16:creationId xmlns:a16="http://schemas.microsoft.com/office/drawing/2014/main" id="{ADAF1E63-77C4-87A5-2E6E-44F6EA8B83C4}"/>
               </a:ext>
             </a:extLst>
           </p:cNvPr>
@@ -1987,7 +1987,7 @@
           <p:cNvPr id="5" name="灯片编号占位符 4">
             <a:extLst>
               <a:ext uri="{FF2B5EF4-FFF2-40B4-BE49-F238E27FC236}">
-                <a16:creationId xmlns:a16="http://schemas.microsoft.com/office/drawing/2014/main" id="{2A404D8D-6EDE-B9EE-65B2-346291D2324D}"/>
+                <a16:creationId xmlns:a16="http://schemas.microsoft.com/office/drawing/2014/main" id="{B45A81A2-A330-4FCA-54F1-03C1B5E02533}"/>
               </a:ext>
             </a:extLst>
           </p:cNvPr>
@@ -2003,7 +2003,7 @@
           <a:bodyPr/>
           <a:lstStyle/>
           <a:p>
-            <a:fld id="{25CE5E9D-E248-4A82-A0E0-5E4ECD89B6A0}" type="slidenum">
+            <a:fld id="{26AEA72B-3712-4D83-8C78-1F5F0461915C}" type="slidenum">
               <a:rPr lang="zh-CN" altLang="en-US" smtClean="0"/>
               <a:t>‹#›</a:t>
             </a:fld>
@@ -2014,7 +2014,7 @@
     </p:spTree>
     <p:extLst>
       <p:ext uri="{BB962C8B-B14F-4D97-AF65-F5344CB8AC3E}">
-        <p14:creationId xmlns:p14="http://schemas.microsoft.com/office/powerpoint/2010/main" val="587193523"/>
+        <p14:creationId xmlns:p14="http://schemas.microsoft.com/office/powerpoint/2010/main" val="3280781291"/>
       </p:ext>
     </p:extLst>
   </p:cSld>
@@ -2046,7 +2046,7 @@
           <p:cNvPr id="2" name="日期占位符 1">
             <a:extLst>
               <a:ext uri="{FF2B5EF4-FFF2-40B4-BE49-F238E27FC236}">
-                <a16:creationId xmlns:a16="http://schemas.microsoft.com/office/drawing/2014/main" id="{592B4E9E-BA74-2B30-D34D-FE5E99CD67AA}"/>
+                <a16:creationId xmlns:a16="http://schemas.microsoft.com/office/drawing/2014/main" id="{754671A3-54D9-2933-3B0B-BA0BBD5177B5}"/>
               </a:ext>
             </a:extLst>
           </p:cNvPr>
@@ -2062,7 +2062,7 @@
           <a:bodyPr/>
           <a:lstStyle/>
           <a:p>
-            <a:fld id="{B293CD9C-86D6-4041-8457-64D69C8268C2}" type="datetimeFigureOut">
+            <a:fld id="{D1EC916B-160B-401B-8E0C-4F86A833FAC8}" type="datetimeFigureOut">
               <a:rPr lang="zh-CN" altLang="en-US" smtClean="0"/>
               <a:t>2024/3/10</a:t>
             </a:fld>
@@ -2075,7 +2075,7 @@
           <p:cNvPr id="3" name="页脚占位符 2">
             <a:extLst>
               <a:ext uri="{FF2B5EF4-FFF2-40B4-BE49-F238E27FC236}">
-                <a16:creationId xmlns:a16="http://schemas.microsoft.com/office/drawing/2014/main" id="{02B43B92-1E04-2B52-038E-BEFB16D1DECC}"/>
+                <a16:creationId xmlns:a16="http://schemas.microsoft.com/office/drawing/2014/main" id="{11E7B8A0-FF72-DA2F-0852-B97530A59F3C}"/>
               </a:ext>
             </a:extLst>
           </p:cNvPr>
@@ -2100,7 +2100,7 @@
           <p:cNvPr id="4" name="灯片编号占位符 3">
             <a:extLst>
               <a:ext uri="{FF2B5EF4-FFF2-40B4-BE49-F238E27FC236}">
-                <a16:creationId xmlns:a16="http://schemas.microsoft.com/office/drawing/2014/main" id="{1B4CE404-3B26-2E7A-49F8-78A350C99381}"/>
+                <a16:creationId xmlns:a16="http://schemas.microsoft.com/office/drawing/2014/main" id="{28A73112-22CB-8B06-0955-82E98C0BFBB1}"/>
               </a:ext>
             </a:extLst>
           </p:cNvPr>
@@ -2116,7 +2116,7 @@
           <a:bodyPr/>
           <a:lstStyle/>
           <a:p>
-            <a:fld id="{25CE5E9D-E248-4A82-A0E0-5E4ECD89B6A0}" type="slidenum">
+            <a:fld id="{26AEA72B-3712-4D83-8C78-1F5F0461915C}" type="slidenum">
               <a:rPr lang="zh-CN" altLang="en-US" smtClean="0"/>
               <a:t>‹#›</a:t>
             </a:fld>
@@ -2127,7 +2127,7 @@
     </p:spTree>
     <p:extLst>
       <p:ext uri="{BB962C8B-B14F-4D97-AF65-F5344CB8AC3E}">
-        <p14:creationId xmlns:p14="http://schemas.microsoft.com/office/powerpoint/2010/main" val="1454415807"/>
+        <p14:creationId xmlns:p14="http://schemas.microsoft.com/office/powerpoint/2010/main" val="3899404673"/>
       </p:ext>
     </p:extLst>
   </p:cSld>
@@ -2159,7 +2159,7 @@
           <p:cNvPr id="2" name="标题 1">
             <a:extLst>
               <a:ext uri="{FF2B5EF4-FFF2-40B4-BE49-F238E27FC236}">
-                <a16:creationId xmlns:a16="http://schemas.microsoft.com/office/drawing/2014/main" id="{B5BC96E4-680D-85F3-7303-40F3DEC568D9}"/>
+                <a16:creationId xmlns:a16="http://schemas.microsoft.com/office/drawing/2014/main" id="{3BDA9081-0E68-1A64-6E23-E9C13B6B75DD}"/>
               </a:ext>
             </a:extLst>
           </p:cNvPr>
@@ -2196,7 +2196,7 @@
           <p:cNvPr id="3" name="内容占位符 2">
             <a:extLst>
               <a:ext uri="{FF2B5EF4-FFF2-40B4-BE49-F238E27FC236}">
-                <a16:creationId xmlns:a16="http://schemas.microsoft.com/office/drawing/2014/main" id="{9C41186F-61E0-E330-5F8B-C39F2C4E6062}"/>
+                <a16:creationId xmlns:a16="http://schemas.microsoft.com/office/drawing/2014/main" id="{9A72C36C-42D7-D6E5-D3D3-6417CCA44C4F}"/>
               </a:ext>
             </a:extLst>
           </p:cNvPr>
@@ -2286,7 +2286,7 @@
           <p:cNvPr id="4" name="文本占位符 3">
             <a:extLst>
               <a:ext uri="{FF2B5EF4-FFF2-40B4-BE49-F238E27FC236}">
-                <a16:creationId xmlns:a16="http://schemas.microsoft.com/office/drawing/2014/main" id="{A260657B-A256-2A43-E604-71A6A8A50A1D}"/>
+                <a16:creationId xmlns:a16="http://schemas.microsoft.com/office/drawing/2014/main" id="{1405CF06-2404-8364-7AE1-082C7214B39B}"/>
               </a:ext>
             </a:extLst>
           </p:cNvPr>
@@ -2357,7 +2357,7 @@
           <p:cNvPr id="5" name="日期占位符 4">
             <a:extLst>
               <a:ext uri="{FF2B5EF4-FFF2-40B4-BE49-F238E27FC236}">
-                <a16:creationId xmlns:a16="http://schemas.microsoft.com/office/drawing/2014/main" id="{39FB26B9-E8E5-8586-A6E8-DFCDD0D2BB28}"/>
+                <a16:creationId xmlns:a16="http://schemas.microsoft.com/office/drawing/2014/main" id="{ABF377CD-CD6A-3027-7D6A-9D82FA36B04A}"/>
               </a:ext>
             </a:extLst>
           </p:cNvPr>
@@ -2373,7 +2373,7 @@
           <a:bodyPr/>
           <a:lstStyle/>
           <a:p>
-            <a:fld id="{B293CD9C-86D6-4041-8457-64D69C8268C2}" type="datetimeFigureOut">
+            <a:fld id="{D1EC916B-160B-401B-8E0C-4F86A833FAC8}" type="datetimeFigureOut">
               <a:rPr lang="zh-CN" altLang="en-US" smtClean="0"/>
               <a:t>2024/3/10</a:t>
             </a:fld>
@@ -2386,7 +2386,7 @@
           <p:cNvPr id="6" name="页脚占位符 5">
             <a:extLst>
               <a:ext uri="{FF2B5EF4-FFF2-40B4-BE49-F238E27FC236}">
-                <a16:creationId xmlns:a16="http://schemas.microsoft.com/office/drawing/2014/main" id="{54AD2113-59F3-7794-67EA-519DCF248618}"/>
+                <a16:creationId xmlns:a16="http://schemas.microsoft.com/office/drawing/2014/main" id="{5030AF1C-29B7-C7FC-F07A-BF365DE2CBFA}"/>
               </a:ext>
             </a:extLst>
           </p:cNvPr>
@@ -2411,7 +2411,7 @@
           <p:cNvPr id="7" name="灯片编号占位符 6">
             <a:extLst>
               <a:ext uri="{FF2B5EF4-FFF2-40B4-BE49-F238E27FC236}">
-                <a16:creationId xmlns:a16="http://schemas.microsoft.com/office/drawing/2014/main" id="{213E34C8-F777-79B9-0D0F-8CE7ED20E0EF}"/>
+                <a16:creationId xmlns:a16="http://schemas.microsoft.com/office/drawing/2014/main" id="{2C53D50D-AC3D-9B51-7129-8B616699AAEC}"/>
               </a:ext>
             </a:extLst>
           </p:cNvPr>
@@ -2427,7 +2427,7 @@
           <a:bodyPr/>
           <a:lstStyle/>
           <a:p>
-            <a:fld id="{25CE5E9D-E248-4A82-A0E0-5E4ECD89B6A0}" type="slidenum">
+            <a:fld id="{26AEA72B-3712-4D83-8C78-1F5F0461915C}" type="slidenum">
               <a:rPr lang="zh-CN" altLang="en-US" smtClean="0"/>
               <a:t>‹#›</a:t>
             </a:fld>
@@ -2438,7 +2438,7 @@
     </p:spTree>
     <p:extLst>
       <p:ext uri="{BB962C8B-B14F-4D97-AF65-F5344CB8AC3E}">
-        <p14:creationId xmlns:p14="http://schemas.microsoft.com/office/powerpoint/2010/main" val="2738964441"/>
+        <p14:creationId xmlns:p14="http://schemas.microsoft.com/office/powerpoint/2010/main" val="4211226356"/>
       </p:ext>
     </p:extLst>
   </p:cSld>
@@ -2470,7 +2470,7 @@
           <p:cNvPr id="2" name="标题 1">
             <a:extLst>
               <a:ext uri="{FF2B5EF4-FFF2-40B4-BE49-F238E27FC236}">
-                <a16:creationId xmlns:a16="http://schemas.microsoft.com/office/drawing/2014/main" id="{ABAF3409-B697-C636-4EAD-03996B4CA0DA}"/>
+                <a16:creationId xmlns:a16="http://schemas.microsoft.com/office/drawing/2014/main" id="{BAC91E6E-EA5A-1532-0870-C39D393BC9D3}"/>
               </a:ext>
             </a:extLst>
           </p:cNvPr>
@@ -2507,7 +2507,7 @@
           <p:cNvPr id="3" name="图片占位符 2">
             <a:extLst>
               <a:ext uri="{FF2B5EF4-FFF2-40B4-BE49-F238E27FC236}">
-                <a16:creationId xmlns:a16="http://schemas.microsoft.com/office/drawing/2014/main" id="{003D1BAF-B816-AC61-7766-429C7E3C84E1}"/>
+                <a16:creationId xmlns:a16="http://schemas.microsoft.com/office/drawing/2014/main" id="{A73EEBA4-A31A-9853-3234-3BC6463CFB34}"/>
               </a:ext>
             </a:extLst>
           </p:cNvPr>
@@ -2574,7 +2574,7 @@
           <p:cNvPr id="4" name="文本占位符 3">
             <a:extLst>
               <a:ext uri="{FF2B5EF4-FFF2-40B4-BE49-F238E27FC236}">
-                <a16:creationId xmlns:a16="http://schemas.microsoft.com/office/drawing/2014/main" id="{28AE1208-4F39-0AB2-2468-8DCE9EEB0FBF}"/>
+                <a16:creationId xmlns:a16="http://schemas.microsoft.com/office/drawing/2014/main" id="{185614B9-FBF6-F883-9825-B38A92E00C01}"/>
               </a:ext>
             </a:extLst>
           </p:cNvPr>
@@ -2645,7 +2645,7 @@
           <p:cNvPr id="5" name="日期占位符 4">
             <a:extLst>
               <a:ext uri="{FF2B5EF4-FFF2-40B4-BE49-F238E27FC236}">
-                <a16:creationId xmlns:a16="http://schemas.microsoft.com/office/drawing/2014/main" id="{B8EBC177-2399-B31D-1227-07880EFE9569}"/>
+                <a16:creationId xmlns:a16="http://schemas.microsoft.com/office/drawing/2014/main" id="{EB82665C-9ADE-DC81-855D-8E94D539271B}"/>
               </a:ext>
             </a:extLst>
           </p:cNvPr>
@@ -2661,7 +2661,7 @@
           <a:bodyPr/>
           <a:lstStyle/>
           <a:p>
-            <a:fld id="{B293CD9C-86D6-4041-8457-64D69C8268C2}" type="datetimeFigureOut">
+            <a:fld id="{D1EC916B-160B-401B-8E0C-4F86A833FAC8}" type="datetimeFigureOut">
               <a:rPr lang="zh-CN" altLang="en-US" smtClean="0"/>
               <a:t>2024/3/10</a:t>
             </a:fld>
@@ -2674,7 +2674,7 @@
           <p:cNvPr id="6" name="页脚占位符 5">
             <a:extLst>
               <a:ext uri="{FF2B5EF4-FFF2-40B4-BE49-F238E27FC236}">
-                <a16:creationId xmlns:a16="http://schemas.microsoft.com/office/drawing/2014/main" id="{98397933-EAD8-9030-DE4D-C651047FD49E}"/>
+                <a16:creationId xmlns:a16="http://schemas.microsoft.com/office/drawing/2014/main" id="{DD287B5F-8A8D-B118-3A03-DFC8ED971C9A}"/>
               </a:ext>
             </a:extLst>
           </p:cNvPr>
@@ -2699,7 +2699,7 @@
           <p:cNvPr id="7" name="灯片编号占位符 6">
             <a:extLst>
               <a:ext uri="{FF2B5EF4-FFF2-40B4-BE49-F238E27FC236}">
-                <a16:creationId xmlns:a16="http://schemas.microsoft.com/office/drawing/2014/main" id="{D534A404-FCCD-D589-9038-B8F844B083DE}"/>
+                <a16:creationId xmlns:a16="http://schemas.microsoft.com/office/drawing/2014/main" id="{A747315F-4EC4-2B40-A2C1-8139D2C43A34}"/>
               </a:ext>
             </a:extLst>
           </p:cNvPr>
@@ -2715,7 +2715,7 @@
           <a:bodyPr/>
           <a:lstStyle/>
           <a:p>
-            <a:fld id="{25CE5E9D-E248-4A82-A0E0-5E4ECD89B6A0}" type="slidenum">
+            <a:fld id="{26AEA72B-3712-4D83-8C78-1F5F0461915C}" type="slidenum">
               <a:rPr lang="zh-CN" altLang="en-US" smtClean="0"/>
               <a:t>‹#›</a:t>
             </a:fld>
@@ -2726,7 +2726,7 @@
     </p:spTree>
     <p:extLst>
       <p:ext uri="{BB962C8B-B14F-4D97-AF65-F5344CB8AC3E}">
-        <p14:creationId xmlns:p14="http://schemas.microsoft.com/office/powerpoint/2010/main" val="2247546320"/>
+        <p14:creationId xmlns:p14="http://schemas.microsoft.com/office/powerpoint/2010/main" val="2640492003"/>
       </p:ext>
     </p:extLst>
   </p:cSld>
@@ -2763,7 +2763,7 @@
           <p:cNvPr id="2" name="标题占位符 1">
             <a:extLst>
               <a:ext uri="{FF2B5EF4-FFF2-40B4-BE49-F238E27FC236}">
-                <a16:creationId xmlns:a16="http://schemas.microsoft.com/office/drawing/2014/main" id="{4722A569-39F0-06FC-AC8A-725D13488004}"/>
+                <a16:creationId xmlns:a16="http://schemas.microsoft.com/office/drawing/2014/main" id="{30D610AB-5248-CCA5-3514-F732F7C834E4}"/>
               </a:ext>
             </a:extLst>
           </p:cNvPr>
@@ -2801,7 +2801,7 @@
           <p:cNvPr id="3" name="文本占位符 2">
             <a:extLst>
               <a:ext uri="{FF2B5EF4-FFF2-40B4-BE49-F238E27FC236}">
-                <a16:creationId xmlns:a16="http://schemas.microsoft.com/office/drawing/2014/main" id="{91EE6C13-75AB-9A1D-9A04-DACC60507087}"/>
+                <a16:creationId xmlns:a16="http://schemas.microsoft.com/office/drawing/2014/main" id="{F7E5C1FE-1FB1-B46C-962F-6935BCDD6057}"/>
               </a:ext>
             </a:extLst>
           </p:cNvPr>
@@ -2868,7 +2868,7 @@
           <p:cNvPr id="4" name="日期占位符 3">
             <a:extLst>
               <a:ext uri="{FF2B5EF4-FFF2-40B4-BE49-F238E27FC236}">
-                <a16:creationId xmlns:a16="http://schemas.microsoft.com/office/drawing/2014/main" id="{92478D1F-28F4-9D4E-FD57-C520D91A5AC7}"/>
+                <a16:creationId xmlns:a16="http://schemas.microsoft.com/office/drawing/2014/main" id="{8518DA5F-53C4-D7B0-C119-37264D176316}"/>
               </a:ext>
             </a:extLst>
           </p:cNvPr>
@@ -2902,7 +2902,7 @@
             </a:lvl1pPr>
           </a:lstStyle>
           <a:p>
-            <a:fld id="{B293CD9C-86D6-4041-8457-64D69C8268C2}" type="datetimeFigureOut">
+            <a:fld id="{D1EC916B-160B-401B-8E0C-4F86A833FAC8}" type="datetimeFigureOut">
               <a:rPr lang="zh-CN" altLang="en-US" smtClean="0"/>
               <a:t>2024/3/10</a:t>
             </a:fld>
@@ -2915,7 +2915,7 @@
           <p:cNvPr id="5" name="页脚占位符 4">
             <a:extLst>
               <a:ext uri="{FF2B5EF4-FFF2-40B4-BE49-F238E27FC236}">
-                <a16:creationId xmlns:a16="http://schemas.microsoft.com/office/drawing/2014/main" id="{3B6D9EB4-9A0E-02D8-3D8B-6928B76F61FF}"/>
+                <a16:creationId xmlns:a16="http://schemas.microsoft.com/office/drawing/2014/main" id="{EFC90A31-24ED-CE5C-7E60-C62349391AE3}"/>
               </a:ext>
             </a:extLst>
           </p:cNvPr>
@@ -2958,7 +2958,7 @@
           <p:cNvPr id="6" name="灯片编号占位符 5">
             <a:extLst>
               <a:ext uri="{FF2B5EF4-FFF2-40B4-BE49-F238E27FC236}">
-                <a16:creationId xmlns:a16="http://schemas.microsoft.com/office/drawing/2014/main" id="{319532F3-26D9-70AB-EA12-E3AEC2DF813E}"/>
+                <a16:creationId xmlns:a16="http://schemas.microsoft.com/office/drawing/2014/main" id="{60618037-C856-AD74-2F6D-D270436721CF}"/>
               </a:ext>
             </a:extLst>
           </p:cNvPr>
@@ -2992,7 +2992,7 @@
             </a:lvl1pPr>
           </a:lstStyle>
           <a:p>
-            <a:fld id="{25CE5E9D-E248-4A82-A0E0-5E4ECD89B6A0}" type="slidenum">
+            <a:fld id="{26AEA72B-3712-4D83-8C78-1F5F0461915C}" type="slidenum">
               <a:rPr lang="zh-CN" altLang="en-US" smtClean="0"/>
               <a:t>‹#›</a:t>
             </a:fld>
@@ -3003,7 +3003,7 @@
     </p:spTree>
     <p:extLst>
       <p:ext uri="{BB962C8B-B14F-4D97-AF65-F5344CB8AC3E}">
-        <p14:creationId xmlns:p14="http://schemas.microsoft.com/office/powerpoint/2010/main" val="277636769"/>
+        <p14:creationId xmlns:p14="http://schemas.microsoft.com/office/powerpoint/2010/main" val="216496508"/>
       </p:ext>
     </p:extLst>
   </p:cSld>
@@ -3323,7 +3323,7 @@
       </p:grpSpPr>
       <p:pic>
         <p:nvPicPr>
-          <p:cNvPr id="1061890" name="Picture 2" descr="1036"/>
+          <p:cNvPr id="1062914" name="Picture 2" descr="1037"/>
           <p:cNvPicPr>
             <a:picLocks noChangeAspect="1" noChangeArrowheads="1"/>
           </p:cNvPicPr>
@@ -3344,8 +3344,8 @@
         </p:blipFill>
         <p:spPr bwMode="auto">
           <a:xfrm>
-            <a:off x="1543050" y="14288"/>
-            <a:ext cx="9124950" cy="6843712"/>
+            <a:off x="1543050" y="1"/>
+            <a:ext cx="9124950" cy="6843713"/>
           </a:xfrm>
           <a:prstGeom prst="rect">
             <a:avLst/>
